--- a/信基集团CRM方案.pptx
+++ b/信基集团CRM方案.pptx
@@ -231,7 +231,7 @@
           <a:p>
             <a:fld id="{0F9B84EA-7D68-4D60-9CB1-D50884785D1C}" type="datetimeFigureOut">
               <a:rPr lang="zh-CN" altLang="en-US" smtClean="0"/>
-              <a:t>2020/9/3</a:t>
+              <a:t>2020/9/4</a:t>
             </a:fld>
             <a:endParaRPr lang="zh-CN" altLang="en-US"/>
           </a:p>
@@ -396,7 +396,7 @@
           <a:p>
             <a:fld id="{D2A48B96-639E-45A3-A0BA-2464DFDB1FAA}" type="datetimeFigureOut">
               <a:rPr lang="zh-CN" altLang="en-US" smtClean="0"/>
-              <a:t>2020/9/3</a:t>
+              <a:t>2020/9/4</a:t>
             </a:fld>
             <a:endParaRPr lang="zh-CN" altLang="en-US"/>
           </a:p>
@@ -1833,7 +1833,7 @@
           <a:p>
             <a:fld id="{82F288E0-7875-42C4-84C8-98DBBD3BF4D2}" type="datetimeFigureOut">
               <a:rPr lang="zh-CN" altLang="en-US" smtClean="0"/>
-              <a:t>2020/9/3</a:t>
+              <a:t>2020/9/4</a:t>
             </a:fld>
             <a:endParaRPr lang="zh-CN" altLang="en-US"/>
           </a:p>
@@ -1979,7 +1979,7 @@
           <a:p>
             <a:fld id="{82F288E0-7875-42C4-84C8-98DBBD3BF4D2}" type="datetimeFigureOut">
               <a:rPr lang="zh-CN" altLang="en-US" smtClean="0"/>
-              <a:t>2020/9/3</a:t>
+              <a:t>2020/9/4</a:t>
             </a:fld>
             <a:endParaRPr lang="zh-CN" altLang="en-US"/>
           </a:p>
@@ -2228,7 +2228,7 @@
           <a:p>
             <a:fld id="{82F288E0-7875-42C4-84C8-98DBBD3BF4D2}" type="datetimeFigureOut">
               <a:rPr lang="zh-CN" altLang="en-US" smtClean="0"/>
-              <a:t>2020/9/3</a:t>
+              <a:t>2020/9/4</a:t>
             </a:fld>
             <a:endParaRPr lang="zh-CN" altLang="en-US"/>
           </a:p>
@@ -2468,7 +2468,7 @@
           <a:p>
             <a:fld id="{82F288E0-7875-42C4-84C8-98DBBD3BF4D2}" type="datetimeFigureOut">
               <a:rPr lang="zh-CN" altLang="en-US" smtClean="0"/>
-              <a:t>2020/9/3</a:t>
+              <a:t>2020/9/4</a:t>
             </a:fld>
             <a:endParaRPr lang="zh-CN" altLang="en-US"/>
           </a:p>
@@ -2692,7 +2692,7 @@
           <a:p>
             <a:fld id="{82F288E0-7875-42C4-84C8-98DBBD3BF4D2}" type="datetimeFigureOut">
               <a:rPr lang="zh-CN" altLang="en-US" smtClean="0"/>
-              <a:t>2020/9/3</a:t>
+              <a:t>2020/9/4</a:t>
             </a:fld>
             <a:endParaRPr lang="zh-CN" altLang="en-US"/>
           </a:p>
@@ -3051,7 +3051,7 @@
           <a:p>
             <a:fld id="{82F288E0-7875-42C4-84C8-98DBBD3BF4D2}" type="datetimeFigureOut">
               <a:rPr lang="zh-CN" altLang="en-US" smtClean="0"/>
-              <a:t>2020/9/3</a:t>
+              <a:t>2020/9/4</a:t>
             </a:fld>
             <a:endParaRPr lang="zh-CN" altLang="en-US"/>
           </a:p>
@@ -3163,7 +3163,7 @@
           <a:p>
             <a:fld id="{82F288E0-7875-42C4-84C8-98DBBD3BF4D2}" type="datetimeFigureOut">
               <a:rPr lang="zh-CN" altLang="en-US" smtClean="0"/>
-              <a:t>2020/9/3</a:t>
+              <a:t>2020/9/4</a:t>
             </a:fld>
             <a:endParaRPr lang="zh-CN" altLang="en-US"/>
           </a:p>
@@ -3253,7 +3253,7 @@
           <a:p>
             <a:fld id="{82F288E0-7875-42C4-84C8-98DBBD3BF4D2}" type="datetimeFigureOut">
               <a:rPr lang="zh-CN" altLang="en-US" smtClean="0"/>
-              <a:t>2020/9/3</a:t>
+              <a:t>2020/9/4</a:t>
             </a:fld>
             <a:endParaRPr lang="zh-CN" altLang="en-US"/>
           </a:p>
@@ -3500,7 +3500,7 @@
           <a:p>
             <a:fld id="{82F288E0-7875-42C4-84C8-98DBBD3BF4D2}" type="datetimeFigureOut">
               <a:rPr lang="zh-CN" altLang="en-US" smtClean="0"/>
-              <a:t>2020/9/3</a:t>
+              <a:t>2020/9/4</a:t>
             </a:fld>
             <a:endParaRPr lang="zh-CN" altLang="en-US"/>
           </a:p>
@@ -3673,7 +3673,7 @@
           <a:p>
             <a:fld id="{82F288E0-7875-42C4-84C8-98DBBD3BF4D2}" type="datetimeFigureOut">
               <a:rPr lang="zh-CN" altLang="en-US" smtClean="0"/>
-              <a:t>2020/9/3</a:t>
+              <a:t>2020/9/4</a:t>
             </a:fld>
             <a:endParaRPr lang="zh-CN" altLang="en-US"/>
           </a:p>
@@ -3879,7 +3879,7 @@
           <a:p>
             <a:fld id="{82F288E0-7875-42C4-84C8-98DBBD3BF4D2}" type="datetimeFigureOut">
               <a:rPr lang="zh-CN" altLang="en-US" smtClean="0"/>
-              <a:t>2020/9/3</a:t>
+              <a:t>2020/9/4</a:t>
             </a:fld>
             <a:endParaRPr lang="zh-CN" altLang="en-US"/>
           </a:p>
@@ -4319,14 +4319,14 @@
               </a:lnSpc>
             </a:pPr>
             <a:r>
-              <a:rPr lang="zh-CN" altLang="en-US" sz="4000" b="1" dirty="0">
+              <a:rPr lang="zh-CN" altLang="en-US" sz="4000" b="1">
                 <a:solidFill>
                   <a:schemeClr val="bg1"/>
                 </a:solidFill>
                 <a:latin typeface="微软雅黑" panose="020B0503020204020204" charset="-122"/>
                 <a:ea typeface="微软雅黑" panose="020B0503020204020204" charset="-122"/>
               </a:rPr>
-              <a:t>基于企业微信的私域流量运营平台</a:t>
+              <a:t>楼宇招商解决方案</a:t>
             </a:r>
             <a:endParaRPr lang="en-US" altLang="zh-CN" sz="4000" b="1" dirty="0">
               <a:solidFill>
